--- a/презентация.pptx
+++ b/презентация.pptx
@@ -117,7 +117,7 @@
   </p:defaultTextStyle>
   <p:extLst>
     <p:ext uri="{EFAFB233-063F-42B5-8137-9DF3F51BA10A}">
-      <p15:sldGuideLst xmlns:p15="http://schemas.microsoft.com/office/powerpoint/2012/main">
+      <p15:sldGuideLst xmlns:p15="http://schemas.microsoft.com/office/powerpoint/2012/main" xmlns="">
         <p15:guide id="1" orient="horz" pos="2160">
           <p15:clr>
             <a:srgbClr val="A4A3A4"/>
@@ -216,7 +216,7 @@
           <a:p>
             <a:fld id="{7CFBA7B8-6CDC-481C-BD86-140A22B479AA}" type="datetimeFigureOut">
               <a:rPr lang="ru-RU" smtClean="0"/>
-              <a:t>29.01.2021</a:t>
+              <a:t>05.02.2021</a:t>
             </a:fld>
             <a:endParaRPr lang="ru-RU"/>
           </a:p>
@@ -746,7 +746,7 @@
           <a:p>
             <a:fld id="{B4C71EC6-210F-42DE-9C53-41977AD35B3D}" type="datetimeFigureOut">
               <a:rPr lang="ru-RU" smtClean="0"/>
-              <a:t>29.01.2021</a:t>
+              <a:t>05.02.2021</a:t>
             </a:fld>
             <a:endParaRPr lang="ru-RU"/>
           </a:p>
@@ -909,7 +909,7 @@
           <a:p>
             <a:fld id="{B4C71EC6-210F-42DE-9C53-41977AD35B3D}" type="datetimeFigureOut">
               <a:rPr lang="ru-RU" smtClean="0"/>
-              <a:t>29.01.2021</a:t>
+              <a:t>05.02.2021</a:t>
             </a:fld>
             <a:endParaRPr lang="ru-RU"/>
           </a:p>
@@ -1082,7 +1082,7 @@
           <a:p>
             <a:fld id="{B4C71EC6-210F-42DE-9C53-41977AD35B3D}" type="datetimeFigureOut">
               <a:rPr lang="ru-RU" smtClean="0"/>
-              <a:t>29.01.2021</a:t>
+              <a:t>05.02.2021</a:t>
             </a:fld>
             <a:endParaRPr lang="ru-RU"/>
           </a:p>
@@ -1245,7 +1245,7 @@
           <a:p>
             <a:fld id="{B4C71EC6-210F-42DE-9C53-41977AD35B3D}" type="datetimeFigureOut">
               <a:rPr lang="ru-RU" smtClean="0"/>
-              <a:t>29.01.2021</a:t>
+              <a:t>05.02.2021</a:t>
             </a:fld>
             <a:endParaRPr lang="ru-RU"/>
           </a:p>
@@ -1485,7 +1485,7 @@
           <a:p>
             <a:fld id="{B4C71EC6-210F-42DE-9C53-41977AD35B3D}" type="datetimeFigureOut">
               <a:rPr lang="ru-RU" smtClean="0"/>
-              <a:t>29.01.2021</a:t>
+              <a:t>05.02.2021</a:t>
             </a:fld>
             <a:endParaRPr lang="ru-RU"/>
           </a:p>
@@ -1765,7 +1765,7 @@
           <a:p>
             <a:fld id="{B4C71EC6-210F-42DE-9C53-41977AD35B3D}" type="datetimeFigureOut">
               <a:rPr lang="ru-RU" smtClean="0"/>
-              <a:t>29.01.2021</a:t>
+              <a:t>05.02.2021</a:t>
             </a:fld>
             <a:endParaRPr lang="ru-RU"/>
           </a:p>
@@ -2179,7 +2179,7 @@
           <a:p>
             <a:fld id="{B4C71EC6-210F-42DE-9C53-41977AD35B3D}" type="datetimeFigureOut">
               <a:rPr lang="ru-RU" smtClean="0"/>
-              <a:t>29.01.2021</a:t>
+              <a:t>05.02.2021</a:t>
             </a:fld>
             <a:endParaRPr lang="ru-RU"/>
           </a:p>
@@ -2291,7 +2291,7 @@
           <a:p>
             <a:fld id="{B4C71EC6-210F-42DE-9C53-41977AD35B3D}" type="datetimeFigureOut">
               <a:rPr lang="ru-RU" smtClean="0"/>
-              <a:t>29.01.2021</a:t>
+              <a:t>05.02.2021</a:t>
             </a:fld>
             <a:endParaRPr lang="ru-RU"/>
           </a:p>
@@ -2381,7 +2381,7 @@
           <a:p>
             <a:fld id="{B4C71EC6-210F-42DE-9C53-41977AD35B3D}" type="datetimeFigureOut">
               <a:rPr lang="ru-RU" smtClean="0"/>
-              <a:t>29.01.2021</a:t>
+              <a:t>05.02.2021</a:t>
             </a:fld>
             <a:endParaRPr lang="ru-RU"/>
           </a:p>
@@ -2651,7 +2651,7 @@
           <a:p>
             <a:fld id="{B4C71EC6-210F-42DE-9C53-41977AD35B3D}" type="datetimeFigureOut">
               <a:rPr lang="ru-RU" smtClean="0"/>
-              <a:t>29.01.2021</a:t>
+              <a:t>05.02.2021</a:t>
             </a:fld>
             <a:endParaRPr lang="ru-RU"/>
           </a:p>
@@ -2898,7 +2898,7 @@
           <a:p>
             <a:fld id="{B4C71EC6-210F-42DE-9C53-41977AD35B3D}" type="datetimeFigureOut">
               <a:rPr lang="ru-RU" smtClean="0"/>
-              <a:t>29.01.2021</a:t>
+              <a:t>05.02.2021</a:t>
             </a:fld>
             <a:endParaRPr lang="ru-RU"/>
           </a:p>
@@ -3104,7 +3104,7 @@
           <a:p>
             <a:fld id="{B4C71EC6-210F-42DE-9C53-41977AD35B3D}" type="datetimeFigureOut">
               <a:rPr lang="ru-RU" smtClean="0"/>
-              <a:t>29.01.2021</a:t>
+              <a:t>05.02.2021</a:t>
             </a:fld>
             <a:endParaRPr lang="ru-RU"/>
           </a:p>
@@ -3502,6 +3502,10 @@
               <a:rPr lang="en-US" dirty="0" err="1"/>
               <a:t>PyGame</a:t>
             </a:r>
+            <a:r>
+              <a:rPr lang="ru-RU" dirty="0"/>
+              <a:t/>
+            </a:r>
             <a:br>
               <a:rPr lang="ru-RU" dirty="0"/>
             </a:br>
@@ -3653,13 +3657,13 @@
         </p:nvSpPr>
         <p:spPr>
           <a:xfrm>
-            <a:off x="204107" y="449036"/>
-            <a:ext cx="8482693" cy="6004300"/>
+            <a:off x="107504" y="1556792"/>
+            <a:ext cx="8482693" cy="4392488"/>
           </a:xfrm>
         </p:spPr>
         <p:txBody>
           <a:bodyPr>
-            <a:normAutofit fontScale="92500" lnSpcReduction="10000"/>
+            <a:normAutofit fontScale="92500" lnSpcReduction="20000"/>
           </a:bodyPr>
           <a:lstStyle/>
           <a:p>
@@ -3667,7 +3671,7 @@
               <a:buNone/>
             </a:pPr>
             <a:r>
-              <a:rPr lang="ru-RU" sz="4000">
+              <a:rPr lang="ru-RU" sz="4000" dirty="0">
                 <a:latin typeface="Times New Roman" panose="02020603050405020304" pitchFamily="18" charset="0"/>
                 <a:cs typeface="Times New Roman" panose="02020603050405020304" pitchFamily="18" charset="0"/>
               </a:rPr>
@@ -3679,12 +3683,117 @@
               <a:buNone/>
             </a:pPr>
             <a:r>
-              <a:rPr lang="ru-RU" sz="4000">
+              <a:rPr lang="ru-RU" sz="2800" dirty="0" err="1">
                 <a:latin typeface="Times New Roman" panose="02020603050405020304" pitchFamily="18" charset="0"/>
                 <a:cs typeface="Times New Roman" panose="02020603050405020304" pitchFamily="18" charset="0"/>
               </a:rPr>
-              <a:t>Hungry Monkeys – это развлекательная игра. Она заключается в том, что нужно успеть нажать на обезьяну, пока она не исчезла. Они генерируются в разных местах, есть бегущая  и прыгающая обезьяна. Вместо системного курсора в игре показан банан.</a:t>
-            </a:r>
+              <a:t>Hungry</a:t>
+            </a:r>
+            <a:r>
+              <a:rPr lang="ru-RU" sz="2800" dirty="0">
+                <a:latin typeface="Times New Roman" panose="02020603050405020304" pitchFamily="18" charset="0"/>
+                <a:cs typeface="Times New Roman" panose="02020603050405020304" pitchFamily="18" charset="0"/>
+              </a:rPr>
+              <a:t> </a:t>
+            </a:r>
+            <a:r>
+              <a:rPr lang="ru-RU" sz="2800" dirty="0" err="1">
+                <a:latin typeface="Times New Roman" panose="02020603050405020304" pitchFamily="18" charset="0"/>
+                <a:cs typeface="Times New Roman" panose="02020603050405020304" pitchFamily="18" charset="0"/>
+              </a:rPr>
+              <a:t>Monkeys</a:t>
+            </a:r>
+            <a:r>
+              <a:rPr lang="ru-RU" sz="2800" dirty="0">
+                <a:latin typeface="Times New Roman" panose="02020603050405020304" pitchFamily="18" charset="0"/>
+                <a:cs typeface="Times New Roman" panose="02020603050405020304" pitchFamily="18" charset="0"/>
+              </a:rPr>
+              <a:t> – это развлекательная игра. Она заключается в том, что нужно успеть нажать на обезьяну, пока она не исчезла. Они генерируются в разных местах, есть бегущая  и прыгающая обезьяна. Вместо системного курсора в игре показан банан</a:t>
+            </a:r>
+            <a:r>
+              <a:rPr lang="ru-RU" sz="2800" dirty="0" smtClean="0">
+                <a:latin typeface="Times New Roman" panose="02020603050405020304" pitchFamily="18" charset="0"/>
+                <a:cs typeface="Times New Roman" panose="02020603050405020304" pitchFamily="18" charset="0"/>
+              </a:rPr>
+              <a:t>.</a:t>
+            </a:r>
+          </a:p>
+          <a:p>
+            <a:pPr marL="0" indent="0">
+              <a:buNone/>
+            </a:pPr>
+            <a:r>
+              <a:rPr lang="ru-RU" sz="4000" dirty="0" smtClean="0">
+                <a:latin typeface="Times New Roman" panose="02020603050405020304" pitchFamily="18" charset="0"/>
+                <a:cs typeface="Times New Roman" panose="02020603050405020304" pitchFamily="18" charset="0"/>
+              </a:rPr>
+              <a:t>Использованные библиотеки: </a:t>
+            </a:r>
+            <a:r>
+              <a:rPr lang="en-US" sz="4000" dirty="0" err="1" smtClean="0">
+                <a:latin typeface="Times New Roman" panose="02020603050405020304" pitchFamily="18" charset="0"/>
+                <a:cs typeface="Times New Roman" panose="02020603050405020304" pitchFamily="18" charset="0"/>
+              </a:rPr>
+              <a:t>pygame</a:t>
+            </a:r>
+            <a:r>
+              <a:rPr lang="en-US" sz="4000" dirty="0" smtClean="0">
+                <a:latin typeface="Times New Roman" panose="02020603050405020304" pitchFamily="18" charset="0"/>
+                <a:cs typeface="Times New Roman" panose="02020603050405020304" pitchFamily="18" charset="0"/>
+              </a:rPr>
+              <a:t>, random, </a:t>
+            </a:r>
+            <a:r>
+              <a:rPr lang="en-US" sz="4000" dirty="0" err="1" smtClean="0">
+                <a:latin typeface="Times New Roman" panose="02020603050405020304" pitchFamily="18" charset="0"/>
+                <a:cs typeface="Times New Roman" panose="02020603050405020304" pitchFamily="18" charset="0"/>
+              </a:rPr>
+              <a:t>pygame_gui</a:t>
+            </a:r>
+            <a:r>
+              <a:rPr lang="en-US" sz="4000" dirty="0">
+                <a:latin typeface="Times New Roman" panose="02020603050405020304" pitchFamily="18" charset="0"/>
+                <a:cs typeface="Times New Roman" panose="02020603050405020304" pitchFamily="18" charset="0"/>
+              </a:rPr>
+              <a:t> </a:t>
+            </a:r>
+            <a:r>
+              <a:rPr lang="en-US" sz="4000" dirty="0" smtClean="0">
+                <a:latin typeface="Times New Roman" panose="02020603050405020304" pitchFamily="18" charset="0"/>
+                <a:cs typeface="Times New Roman" panose="02020603050405020304" pitchFamily="18" charset="0"/>
+              </a:rPr>
+              <a:t>(</a:t>
+            </a:r>
+            <a:r>
+              <a:rPr lang="ru-RU" sz="4000" dirty="0" smtClean="0">
+                <a:latin typeface="Times New Roman" panose="02020603050405020304" pitchFamily="18" charset="0"/>
+                <a:cs typeface="Times New Roman" panose="02020603050405020304" pitchFamily="18" charset="0"/>
+              </a:rPr>
+              <a:t>для кнопки «сыграть еще раз»)</a:t>
+            </a:r>
+            <a:r>
+              <a:rPr lang="en-US" sz="4000" dirty="0" smtClean="0">
+                <a:latin typeface="Times New Roman" panose="02020603050405020304" pitchFamily="18" charset="0"/>
+                <a:cs typeface="Times New Roman" panose="02020603050405020304" pitchFamily="18" charset="0"/>
+              </a:rPr>
+              <a:t>, </a:t>
+            </a:r>
+            <a:r>
+              <a:rPr lang="en-US" sz="4000" dirty="0" err="1" smtClean="0"/>
+              <a:t>datetime</a:t>
+            </a:r>
+            <a:r>
+              <a:rPr lang="en-US" sz="4000" dirty="0" smtClean="0"/>
+              <a:t>, time, sqlite3, sys, time, </a:t>
+            </a:r>
+            <a:r>
+              <a:rPr lang="en-US" sz="4000" dirty="0" err="1" smtClean="0"/>
+              <a:t>os</a:t>
+            </a:r>
+            <a:endParaRPr lang="ru-RU" sz="4000" dirty="0">
+              <a:latin typeface="Times New Roman" panose="02020603050405020304" pitchFamily="18" charset="0"/>
+              <a:cs typeface="Times New Roman" panose="02020603050405020304" pitchFamily="18" charset="0"/>
+            </a:endParaRPr>
           </a:p>
           <a:p>
             <a:endParaRPr lang="ru-RU" dirty="0"/>
@@ -3726,7 +3835,7 @@
           <p:cNvPr id="2" name="Заголовок 1">
             <a:extLst>
               <a:ext uri="{FF2B5EF4-FFF2-40B4-BE49-F238E27FC236}">
-                <a16:creationId xmlns:a16="http://schemas.microsoft.com/office/drawing/2014/main" id="{E9AE735B-D48C-FC42-A69C-35AB4C790ED6}"/>
+                <a16:creationId xmlns:a16="http://schemas.microsoft.com/office/drawing/2014/main" xmlns="" id="{E9AE735B-D48C-FC42-A69C-35AB4C790ED6}"/>
               </a:ext>
             </a:extLst>
           </p:cNvPr>
@@ -3751,7 +3860,7 @@
           <p:cNvPr id="4" name="Рисунок 4">
             <a:extLst>
               <a:ext uri="{FF2B5EF4-FFF2-40B4-BE49-F238E27FC236}">
-                <a16:creationId xmlns:a16="http://schemas.microsoft.com/office/drawing/2014/main" id="{9832A08F-3F97-7E4D-8DDB-E02B112F7232}"/>
+                <a16:creationId xmlns:a16="http://schemas.microsoft.com/office/drawing/2014/main" xmlns="" id="{9832A08F-3F97-7E4D-8DDB-E02B112F7232}"/>
               </a:ext>
             </a:extLst>
           </p:cNvPr>
@@ -3816,7 +3925,7 @@
           <p:cNvPr id="2" name="Заголовок 1">
             <a:extLst>
               <a:ext uri="{FF2B5EF4-FFF2-40B4-BE49-F238E27FC236}">
-                <a16:creationId xmlns:a16="http://schemas.microsoft.com/office/drawing/2014/main" id="{81D78C79-D56E-BB4A-99B1-E77766F98485}"/>
+                <a16:creationId xmlns:a16="http://schemas.microsoft.com/office/drawing/2014/main" xmlns="" id="{81D78C79-D56E-BB4A-99B1-E77766F98485}"/>
               </a:ext>
             </a:extLst>
           </p:cNvPr>
@@ -3841,7 +3950,7 @@
           <p:cNvPr id="4" name="Рисунок 4">
             <a:extLst>
               <a:ext uri="{FF2B5EF4-FFF2-40B4-BE49-F238E27FC236}">
-                <a16:creationId xmlns:a16="http://schemas.microsoft.com/office/drawing/2014/main" id="{6FFC8A50-A86D-5548-AFFE-EC715C00532F}"/>
+                <a16:creationId xmlns:a16="http://schemas.microsoft.com/office/drawing/2014/main" xmlns="" id="{6FFC8A50-A86D-5548-AFFE-EC715C00532F}"/>
               </a:ext>
             </a:extLst>
           </p:cNvPr>
@@ -3911,12 +4020,24 @@
             <p:ph type="title"/>
           </p:nvPr>
         </p:nvSpPr>
-        <p:spPr/>
-        <p:txBody>
-          <a:bodyPr/>
-          <a:lstStyle/>
-          <a:p>
-            <a:endParaRPr lang="ru-RU"/>
+        <p:spPr>
+          <a:xfrm>
+            <a:off x="395536" y="0"/>
+            <a:ext cx="8229600" cy="1143000"/>
+          </a:xfrm>
+        </p:spPr>
+        <p:txBody>
+          <a:bodyPr>
+            <a:normAutofit/>
+          </a:bodyPr>
+          <a:lstStyle/>
+          <a:p>
+            <a:pPr algn="l"/>
+            <a:r>
+              <a:rPr lang="ru-RU" sz="2000" dirty="0" smtClean="0"/>
+              <a:t>Главная функция. Здесь создается окно, настраиваются флаги константы, создаются счетчики времени и тому подобное.</a:t>
+            </a:r>
+            <a:endParaRPr lang="ru-RU" sz="2000" dirty="0"/>
           </a:p>
         </p:txBody>
       </p:sp>
@@ -3945,7 +4066,7 @@
         </p:blipFill>
         <p:spPr bwMode="auto">
           <a:xfrm>
-            <a:off x="179512" y="764704"/>
+            <a:off x="323528" y="1124744"/>
             <a:ext cx="8285886" cy="5112568"/>
           </a:xfrm>
           <a:prstGeom prst="rect">
@@ -4016,12 +4137,23 @@
             <p:ph type="title"/>
           </p:nvPr>
         </p:nvSpPr>
-        <p:spPr/>
-        <p:txBody>
-          <a:bodyPr/>
-          <a:lstStyle/>
-          <a:p>
-            <a:endParaRPr lang="ru-RU"/>
+        <p:spPr>
+          <a:xfrm>
+            <a:off x="457200" y="274638"/>
+            <a:ext cx="8229600" cy="706090"/>
+          </a:xfrm>
+        </p:spPr>
+        <p:txBody>
+          <a:bodyPr>
+            <a:noAutofit/>
+          </a:bodyPr>
+          <a:lstStyle/>
+          <a:p>
+            <a:r>
+              <a:rPr lang="ru-RU" sz="2400" dirty="0" smtClean="0"/>
+              <a:t>Главный игровой цикл. Здесь обрабатываются события, выход из игры, обновляется экран и реализована анимация спрайтов.</a:t>
+            </a:r>
+            <a:endParaRPr lang="ru-RU" sz="2400" dirty="0"/>
           </a:p>
         </p:txBody>
       </p:sp>
@@ -4050,7 +4182,7 @@
         </p:blipFill>
         <p:spPr bwMode="auto">
           <a:xfrm>
-            <a:off x="467544" y="1052736"/>
+            <a:off x="395536" y="1340768"/>
             <a:ext cx="8229600" cy="4513926"/>
           </a:xfrm>
           <a:prstGeom prst="rect">
@@ -4121,12 +4253,27 @@
             <p:ph type="title"/>
           </p:nvPr>
         </p:nvSpPr>
-        <p:spPr/>
-        <p:txBody>
-          <a:bodyPr/>
-          <a:lstStyle/>
-          <a:p>
-            <a:endParaRPr lang="ru-RU"/>
+        <p:spPr>
+          <a:xfrm>
+            <a:off x="539552" y="116632"/>
+            <a:ext cx="8229600" cy="1512168"/>
+          </a:xfrm>
+        </p:spPr>
+        <p:txBody>
+          <a:bodyPr>
+            <a:normAutofit/>
+          </a:bodyPr>
+          <a:lstStyle/>
+          <a:p>
+            <a:r>
+              <a:rPr lang="ru-RU" sz="1800" dirty="0" smtClean="0"/>
+              <a:t>Это одна из главных функций игры – функция создания обезьян. </a:t>
+            </a:r>
+            <a:r>
+              <a:rPr lang="ru-RU" sz="1800" dirty="0" smtClean="0"/>
+              <a:t>В ней случайно создаются обезьяны-спрайты. Выбирается случайная цифра, каждой цифре соответствует своя обезьяна. Если место свободно, создаем обезьяну там. Если нет, выбираем случайное число снова, пока не найдем свободное.</a:t>
+            </a:r>
+            <a:endParaRPr lang="ru-RU" sz="1800" dirty="0"/>
           </a:p>
         </p:txBody>
       </p:sp>
@@ -4155,8 +4302,8 @@
         </p:blipFill>
         <p:spPr bwMode="auto">
           <a:xfrm>
-            <a:off x="467544" y="620688"/>
-            <a:ext cx="8360521" cy="5577483"/>
+            <a:off x="0" y="1556792"/>
+            <a:ext cx="8682547" cy="5040560"/>
           </a:xfrm>
           <a:prstGeom prst="rect">
             <a:avLst/>
@@ -4228,10 +4375,16 @@
         </p:nvSpPr>
         <p:spPr/>
         <p:txBody>
-          <a:bodyPr/>
-          <a:lstStyle/>
-          <a:p>
-            <a:endParaRPr lang="ru-RU"/>
+          <a:bodyPr>
+            <a:normAutofit fontScale="90000"/>
+          </a:bodyPr>
+          <a:lstStyle/>
+          <a:p>
+            <a:r>
+              <a:rPr lang="ru-RU" dirty="0" smtClean="0"/>
+              <a:t>База данных. В ней хранятся изображения для каждого спрайта</a:t>
+            </a:r>
+            <a:endParaRPr lang="ru-RU" dirty="0"/>
           </a:p>
         </p:txBody>
       </p:sp>
@@ -4260,7 +4413,7 @@
         </p:blipFill>
         <p:spPr bwMode="auto">
           <a:xfrm>
-            <a:off x="395536" y="1412776"/>
+            <a:off x="467544" y="2060848"/>
             <a:ext cx="8210550" cy="3857625"/>
           </a:xfrm>
           <a:prstGeom prst="rect">
